--- a/docs/Workshop on RPTIS Data Migration Action Plan.pptx
+++ b/docs/Workshop on RPTIS Data Migration Action Plan.pptx
@@ -14816,7 +14816,7 @@
           <p:nvPr>
             <p:extLst>
               <p:ext uri="{D42A27DB-BD31-4B8C-83A1-F6EECF244321}">
-                <p14:modId xmlns:p14="http://schemas.microsoft.com/office/powerpoint/2010/main" val="1264123160"/>
+                <p14:modId xmlns:p14="http://schemas.microsoft.com/office/powerpoint/2010/main" val="2730839834"/>
               </p:ext>
             </p:extLst>
           </p:nvPr>
@@ -15063,7 +15063,11 @@
                       </a:pPr>
                       <a:r>
                         <a:rPr lang="en-US" dirty="0" smtClean="0"/>
-                        <a:t>Assessor’s User Training</a:t>
+                        <a:t>Assessor’s User </a:t>
+                      </a:r>
+                      <a:r>
+                        <a:rPr lang="en-US" dirty="0" smtClean="0"/>
+                        <a:t>Training</a:t>
                       </a:r>
                     </a:p>
                   </a:txBody>
